--- a/NetAgent/src/main/resources/Downloads/AgentActivityChart (1).pptx
+++ b/NetAgent/src/main/resources/Downloads/AgentActivityChart (1).pptx
@@ -440,7 +440,7 @@
                 </a:solidFill>
                 <a:latin typeface="Arial"/>
               </a:rPr>
-              <a:t>5/29/2023 11:21 PM</a:t>
+              <a:t>8/28/2023 12:42 AM</a:t>
             </a:r>
           </a:p>
         </p:txBody>
@@ -610,7 +610,7 @@
                 </a:solidFill>
                 <a:latin typeface="Arial"/>
               </a:rPr>
-              <a:t>5/29/2023 11:21 PM</a:t>
+              <a:t>8/28/2023 12:42 AM</a:t>
             </a:r>
           </a:p>
         </p:txBody>
@@ -753,7 +753,7 @@
                 </a:solidFill>
                 <a:latin typeface="Arial"/>
               </a:rPr>
-              <a:t>5/29/2023 11:21 PM</a:t>
+              <a:t>8/28/2023 12:42 AM</a:t>
             </a:r>
           </a:p>
         </p:txBody>
